--- a/智慧菜單推薦系統.pptx
+++ b/智慧菜單推薦系統.pptx
@@ -5,18 +5,19 @@
     <p:sldMasterId id="2147483648" r:id="rId1"/>
   </p:sldMasterIdLst>
   <p:notesMasterIdLst>
-    <p:notesMasterId r:id="rId11"/>
+    <p:notesMasterId r:id="rId12"/>
   </p:notesMasterIdLst>
   <p:sldIdLst>
     <p:sldId id="256" r:id="rId2"/>
-    <p:sldId id="257" r:id="rId3"/>
-    <p:sldId id="258" r:id="rId4"/>
-    <p:sldId id="262" r:id="rId5"/>
-    <p:sldId id="264" r:id="rId6"/>
-    <p:sldId id="260" r:id="rId7"/>
-    <p:sldId id="259" r:id="rId8"/>
-    <p:sldId id="263" r:id="rId9"/>
-    <p:sldId id="265" r:id="rId10"/>
+    <p:sldId id="266" r:id="rId3"/>
+    <p:sldId id="257" r:id="rId4"/>
+    <p:sldId id="258" r:id="rId5"/>
+    <p:sldId id="262" r:id="rId6"/>
+    <p:sldId id="264" r:id="rId7"/>
+    <p:sldId id="260" r:id="rId8"/>
+    <p:sldId id="259" r:id="rId9"/>
+    <p:sldId id="263" r:id="rId10"/>
+    <p:sldId id="265" r:id="rId11"/>
   </p:sldIdLst>
   <p:sldSz cx="9144000" cy="6858000" type="screen4x3"/>
   <p:notesSz cx="6858000" cy="9144000"/>
@@ -230,7 +231,7 @@
           <a:p>
             <a:fld id="{29B62883-AAE4-48D2-9C6B-B11B5D8BD393}" type="datetimeFigureOut">
               <a:rPr lang="zh-TW" altLang="en-US" smtClean="0"/>
-              <a:t>2017/6/27</a:t>
+              <a:t>17/7/4</a:t>
             </a:fld>
             <a:endParaRPr lang="zh-TW" altLang="en-US"/>
           </a:p>
@@ -3087,14 +3088,14 @@
           </a:ln>
           <a:effectLst/>
           <a:extLst>
-            <a:ext uri="{909E8E84-426E-40DD-AFC4-6F175D3DCCD1}">
+            <a:ext uri="{909E8E84-426E-40dd-AFC4-6F175D3DCCD1}">
               <a14:hiddenFill xmlns:a14="http://schemas.microsoft.com/office/drawing/2010/main">
                 <a:solidFill>
                   <a:schemeClr val="accent1"/>
                 </a:solidFill>
               </a14:hiddenFill>
             </a:ext>
-            <a:ext uri="{91240B29-F687-4F45-9708-019B960494DF}">
+            <a:ext uri="{91240B29-F687-4f45-9708-019B960494DF}">
               <a14:hiddenLine xmlns:a14="http://schemas.microsoft.com/office/drawing/2010/main" w="9525">
                 <a:solidFill>
                   <a:schemeClr val="tx1"/>
@@ -3104,7 +3105,7 @@
                 <a:tailEnd/>
               </a14:hiddenLine>
             </a:ext>
-            <a:ext uri="{AF507438-7753-43E0-B8FC-AC1667EBCBE1}">
+            <a:ext uri="{AF507438-7753-43e0-B8FC-AC1667EBCBE1}">
               <a14:hiddenEffects xmlns:a14="http://schemas.microsoft.com/office/drawing/2010/main">
                 <a:effectLst>
                   <a:outerShdw dist="35921" dir="2700000" algn="ctr" rotWithShape="0">
@@ -3155,14 +3156,14 @@
           </a:ln>
           <a:effectLst/>
           <a:extLst>
-            <a:ext uri="{909E8E84-426E-40DD-AFC4-6F175D3DCCD1}">
+            <a:ext uri="{909E8E84-426E-40dd-AFC4-6F175D3DCCD1}">
               <a14:hiddenFill xmlns:a14="http://schemas.microsoft.com/office/drawing/2010/main">
                 <a:solidFill>
                   <a:schemeClr val="accent1"/>
                 </a:solidFill>
               </a14:hiddenFill>
             </a:ext>
-            <a:ext uri="{91240B29-F687-4F45-9708-019B960494DF}">
+            <a:ext uri="{91240B29-F687-4f45-9708-019B960494DF}">
               <a14:hiddenLine xmlns:a14="http://schemas.microsoft.com/office/drawing/2010/main" w="9525">
                 <a:solidFill>
                   <a:schemeClr val="tx1"/>
@@ -3172,7 +3173,7 @@
                 <a:tailEnd/>
               </a14:hiddenLine>
             </a:ext>
-            <a:ext uri="{AF507438-7753-43E0-B8FC-AC1667EBCBE1}">
+            <a:ext uri="{AF507438-7753-43e0-B8FC-AC1667EBCBE1}">
               <a14:hiddenEffects xmlns:a14="http://schemas.microsoft.com/office/drawing/2010/main">
                 <a:effectLst>
                   <a:outerShdw dist="35921" dir="2700000" algn="ctr" rotWithShape="0">
@@ -3251,14 +3252,14 @@
           </a:ln>
           <a:effectLst/>
           <a:extLst>
-            <a:ext uri="{909E8E84-426E-40DD-AFC4-6F175D3DCCD1}">
+            <a:ext uri="{909E8E84-426E-40dd-AFC4-6F175D3DCCD1}">
               <a14:hiddenFill xmlns:a14="http://schemas.microsoft.com/office/drawing/2010/main">
                 <a:solidFill>
                   <a:schemeClr val="accent1"/>
                 </a:solidFill>
               </a14:hiddenFill>
             </a:ext>
-            <a:ext uri="{91240B29-F687-4F45-9708-019B960494DF}">
+            <a:ext uri="{91240B29-F687-4f45-9708-019B960494DF}">
               <a14:hiddenLine xmlns:a14="http://schemas.microsoft.com/office/drawing/2010/main" w="9525">
                 <a:solidFill>
                   <a:schemeClr val="tx1"/>
@@ -3268,7 +3269,7 @@
                 <a:tailEnd/>
               </a14:hiddenLine>
             </a:ext>
-            <a:ext uri="{AF507438-7753-43E0-B8FC-AC1667EBCBE1}">
+            <a:ext uri="{AF507438-7753-43e0-B8FC-AC1667EBCBE1}">
               <a14:hiddenEffects xmlns:a14="http://schemas.microsoft.com/office/drawing/2010/main">
                 <a:effectLst>
                   <a:outerShdw dist="35921" dir="2700000" algn="ctr" rotWithShape="0">
@@ -3321,14 +3322,14 @@
           </a:ln>
           <a:effectLst/>
           <a:extLst>
-            <a:ext uri="{909E8E84-426E-40DD-AFC4-6F175D3DCCD1}">
+            <a:ext uri="{909E8E84-426E-40dd-AFC4-6F175D3DCCD1}">
               <a14:hiddenFill xmlns:a14="http://schemas.microsoft.com/office/drawing/2010/main">
                 <a:solidFill>
                   <a:schemeClr val="accent1"/>
                 </a:solidFill>
               </a14:hiddenFill>
             </a:ext>
-            <a:ext uri="{91240B29-F687-4F45-9708-019B960494DF}">
+            <a:ext uri="{91240B29-F687-4f45-9708-019B960494DF}">
               <a14:hiddenLine xmlns:a14="http://schemas.microsoft.com/office/drawing/2010/main" w="9525">
                 <a:solidFill>
                   <a:schemeClr val="tx1"/>
@@ -3338,7 +3339,7 @@
                 <a:tailEnd/>
               </a14:hiddenLine>
             </a:ext>
-            <a:ext uri="{AF507438-7753-43E0-B8FC-AC1667EBCBE1}">
+            <a:ext uri="{AF507438-7753-43e0-B8FC-AC1667EBCBE1}">
               <a14:hiddenEffects xmlns:a14="http://schemas.microsoft.com/office/drawing/2010/main">
                 <a:effectLst>
                   <a:outerShdw dist="35921" dir="2700000" algn="ctr" rotWithShape="0">
@@ -3391,14 +3392,14 @@
           </a:ln>
           <a:effectLst/>
           <a:extLst>
-            <a:ext uri="{909E8E84-426E-40DD-AFC4-6F175D3DCCD1}">
+            <a:ext uri="{909E8E84-426E-40dd-AFC4-6F175D3DCCD1}">
               <a14:hiddenFill xmlns:a14="http://schemas.microsoft.com/office/drawing/2010/main">
                 <a:solidFill>
                   <a:schemeClr val="accent1"/>
                 </a:solidFill>
               </a14:hiddenFill>
             </a:ext>
-            <a:ext uri="{91240B29-F687-4F45-9708-019B960494DF}">
+            <a:ext uri="{91240B29-F687-4f45-9708-019B960494DF}">
               <a14:hiddenLine xmlns:a14="http://schemas.microsoft.com/office/drawing/2010/main" w="9525">
                 <a:solidFill>
                   <a:schemeClr val="tx1"/>
@@ -3408,7 +3409,7 @@
                 <a:tailEnd/>
               </a14:hiddenLine>
             </a:ext>
-            <a:ext uri="{AF507438-7753-43E0-B8FC-AC1667EBCBE1}">
+            <a:ext uri="{AF507438-7753-43e0-B8FC-AC1667EBCBE1}">
               <a14:hiddenEffects xmlns:a14="http://schemas.microsoft.com/office/drawing/2010/main">
                 <a:effectLst>
                   <a:outerShdw dist="35921" dir="2700000" algn="ctr" rotWithShape="0">
@@ -3889,7 +3890,7 @@
           </a:prstGeom>
           <a:noFill/>
           <a:extLst>
-            <a:ext uri="{909E8E84-426E-40DD-AFC4-6F175D3DCCD1}">
+            <a:ext uri="{909E8E84-426E-40dd-AFC4-6F175D3DCCD1}">
               <a14:hiddenFill xmlns:a14="http://schemas.microsoft.com/office/drawing/2010/main">
                 <a:solidFill>
                   <a:srgbClr val="FFFFFF"/>
@@ -4041,14 +4042,14 @@
   <p:timing>
     <p:tnLst>
       <p:par>
-        <p:cTn id="1" dur="indefinite" restart="never" nodeType="tmRoot"/>
+        <p:cTn xmlns:p14="http://schemas.microsoft.com/office/powerpoint/2010/main" id="1" dur="indefinite" restart="never" nodeType="tmRoot"/>
       </p:par>
     </p:tnLst>
   </p:timing>
 </p:sld>
 </file>
 
-<file path=ppt/slides/slide2.xml><?xml version="1.0" encoding="utf-8"?>
+<file path=ppt/slides/slide10.xml><?xml version="1.0" encoding="utf-8"?>
 <p:sld xmlns:a="http://schemas.openxmlformats.org/drawingml/2006/main" xmlns:r="http://schemas.openxmlformats.org/officeDocument/2006/relationships" xmlns:p="http://schemas.openxmlformats.org/presentationml/2006/main">
   <p:cSld>
     <p:spTree>
@@ -4086,6 +4087,215 @@
           <a:lstStyle/>
           <a:p>
             <a:r>
+              <a:rPr lang="en-US" altLang="zh-TW" dirty="0" smtClean="0"/>
+              <a:t>Conclusion</a:t>
+            </a:r>
+            <a:endParaRPr lang="zh-TW" altLang="en-US" dirty="0"/>
+          </a:p>
+        </p:txBody>
+      </p:sp>
+      <p:sp>
+        <p:nvSpPr>
+          <p:cNvPr id="3" name="內容版面配置區 2"/>
+          <p:cNvSpPr>
+            <a:spLocks noGrp="1"/>
+          </p:cNvSpPr>
+          <p:nvPr>
+            <p:ph idx="1"/>
+          </p:nvPr>
+        </p:nvSpPr>
+        <p:spPr/>
+        <p:txBody>
+          <a:bodyPr/>
+          <a:lstStyle/>
+          <a:p>
+            <a:r>
+              <a:rPr lang="zh-TW" altLang="en-US" dirty="0" smtClean="0"/>
+              <a:t>有抓到一天的資料，可是不小心被覆蓋掉了，沒有留下數據檔案。</a:t>
+            </a:r>
+            <a:endParaRPr lang="en-US" altLang="zh-TW" dirty="0" smtClean="0"/>
+          </a:p>
+          <a:p>
+            <a:r>
+              <a:rPr lang="zh-TW" altLang="en-US" dirty="0"/>
+              <a:t>當天看到的數據可以</a:t>
+            </a:r>
+            <a:r>
+              <a:rPr lang="zh-TW" altLang="en-US" dirty="0" smtClean="0"/>
+              <a:t>發現有兩個區域偵測到的數據是</a:t>
+            </a:r>
+            <a:r>
+              <a:rPr lang="en-US" altLang="zh-TW" dirty="0" smtClean="0"/>
+              <a:t>3XXX</a:t>
+            </a:r>
+            <a:r>
+              <a:rPr lang="zh-TW" altLang="en-US" dirty="0" smtClean="0"/>
+              <a:t>，其他區域為</a:t>
+            </a:r>
+            <a:r>
+              <a:rPr lang="en-US" altLang="zh-TW" dirty="0" smtClean="0"/>
+              <a:t>2XXX</a:t>
+            </a:r>
+            <a:r>
+              <a:rPr lang="zh-TW" altLang="en-US" dirty="0" smtClean="0"/>
+              <a:t>。</a:t>
+            </a:r>
+            <a:endParaRPr lang="en-US" altLang="zh-TW" dirty="0"/>
+          </a:p>
+          <a:p>
+            <a:r>
+              <a:rPr lang="zh-TW" altLang="en-US" dirty="0" smtClean="0"/>
+              <a:t>已經可以得到研究結果</a:t>
+            </a:r>
+            <a:r>
+              <a:rPr lang="en-US" altLang="zh-TW" smtClean="0"/>
+              <a:t>!</a:t>
+            </a:r>
+          </a:p>
+          <a:p>
+            <a:endParaRPr lang="zh-TW" altLang="en-US" dirty="0"/>
+          </a:p>
+        </p:txBody>
+      </p:sp>
+    </p:spTree>
+    <p:extLst>
+      <p:ext uri="{BB962C8B-B14F-4D97-AF65-F5344CB8AC3E}">
+        <p14:creationId xmlns:p14="http://schemas.microsoft.com/office/powerpoint/2010/main" val="172996434"/>
+      </p:ext>
+    </p:extLst>
+  </p:cSld>
+  <p:clrMapOvr>
+    <a:masterClrMapping/>
+  </p:clrMapOvr>
+</p:sld>
+</file>
+
+<file path=ppt/slides/slide2.xml><?xml version="1.0" encoding="utf-8"?>
+<p:sld xmlns:a="http://schemas.openxmlformats.org/drawingml/2006/main" xmlns:r="http://schemas.openxmlformats.org/officeDocument/2006/relationships" xmlns:p="http://schemas.openxmlformats.org/presentationml/2006/main">
+  <p:cSld>
+    <p:spTree>
+      <p:nvGrpSpPr>
+        <p:cNvPr id="1" name=""/>
+        <p:cNvGrpSpPr/>
+        <p:nvPr/>
+      </p:nvGrpSpPr>
+      <p:grpSpPr>
+        <a:xfrm>
+          <a:off x="0" y="0"/>
+          <a:ext cx="0" cy="0"/>
+          <a:chOff x="0" y="0"/>
+          <a:chExt cx="0" cy="0"/>
+        </a:xfrm>
+      </p:grpSpPr>
+      <p:sp>
+        <p:nvSpPr>
+          <p:cNvPr id="2" name="標題 1"/>
+          <p:cNvSpPr>
+            <a:spLocks noGrp="1"/>
+          </p:cNvSpPr>
+          <p:nvPr>
+            <p:ph type="title"/>
+          </p:nvPr>
+        </p:nvSpPr>
+        <p:spPr/>
+        <p:txBody>
+          <a:bodyPr/>
+          <a:lstStyle/>
+          <a:p>
+            <a:endParaRPr kumimoji="1" lang="zh-TW" altLang="en-US"/>
+          </a:p>
+        </p:txBody>
+      </p:sp>
+      <p:sp>
+        <p:nvSpPr>
+          <p:cNvPr id="3" name="內容版面配置區 2"/>
+          <p:cNvSpPr>
+            <a:spLocks noGrp="1"/>
+          </p:cNvSpPr>
+          <p:nvPr>
+            <p:ph idx="1"/>
+          </p:nvPr>
+        </p:nvSpPr>
+        <p:spPr/>
+        <p:txBody>
+          <a:bodyPr/>
+          <a:lstStyle/>
+          <a:p>
+            <a:r>
+              <a:rPr kumimoji="1" lang="en-US" altLang="zh-TW" dirty="0" err="1" smtClean="0"/>
+              <a:t>Github</a:t>
+            </a:r>
+            <a:r>
+              <a:rPr kumimoji="1" lang="en-US" altLang="zh-TW" dirty="0"/>
+              <a:t> : https://</a:t>
+            </a:r>
+            <a:r>
+              <a:rPr kumimoji="1" lang="en-US" altLang="zh-TW" dirty="0" err="1"/>
+              <a:t>github.com</a:t>
+            </a:r>
+            <a:r>
+              <a:rPr kumimoji="1" lang="en-US" altLang="zh-TW" dirty="0"/>
+              <a:t>/pp724181/</a:t>
+            </a:r>
+            <a:r>
+              <a:rPr kumimoji="1" lang="en-US" altLang="zh-TW"/>
+              <a:t>iot</a:t>
+            </a:r>
+            <a:endParaRPr kumimoji="1" lang="zh-TW" altLang="en-US" dirty="0"/>
+          </a:p>
+        </p:txBody>
+      </p:sp>
+    </p:spTree>
+    <p:extLst>
+      <p:ext uri="{BB962C8B-B14F-4D97-AF65-F5344CB8AC3E}">
+        <p14:creationId xmlns:p14="http://schemas.microsoft.com/office/powerpoint/2010/main" val="3888109544"/>
+      </p:ext>
+    </p:extLst>
+  </p:cSld>
+  <p:clrMapOvr>
+    <a:masterClrMapping/>
+  </p:clrMapOvr>
+</p:sld>
+</file>
+
+<file path=ppt/slides/slide3.xml><?xml version="1.0" encoding="utf-8"?>
+<p:sld xmlns:a="http://schemas.openxmlformats.org/drawingml/2006/main" xmlns:r="http://schemas.openxmlformats.org/officeDocument/2006/relationships" xmlns:p="http://schemas.openxmlformats.org/presentationml/2006/main">
+  <p:cSld>
+    <p:spTree>
+      <p:nvGrpSpPr>
+        <p:cNvPr id="1" name=""/>
+        <p:cNvGrpSpPr/>
+        <p:nvPr/>
+      </p:nvGrpSpPr>
+      <p:grpSpPr>
+        <a:xfrm>
+          <a:off x="0" y="0"/>
+          <a:ext cx="0" cy="0"/>
+          <a:chOff x="0" y="0"/>
+          <a:chExt cx="0" cy="0"/>
+        </a:xfrm>
+      </p:grpSpPr>
+      <p:sp>
+        <p:nvSpPr>
+          <p:cNvPr id="2" name="標題 1"/>
+          <p:cNvSpPr>
+            <a:spLocks noGrp="1"/>
+          </p:cNvSpPr>
+          <p:nvPr>
+            <p:ph type="title"/>
+          </p:nvPr>
+        </p:nvSpPr>
+        <p:spPr>
+          <a:xfrm>
+            <a:off x="457200" y="485800"/>
+            <a:ext cx="8229600" cy="1143000"/>
+          </a:xfrm>
+        </p:spPr>
+        <p:txBody>
+          <a:bodyPr/>
+          <a:lstStyle/>
+          <a:p>
+            <a:r>
               <a:rPr lang="zh-TW" altLang="en-US" dirty="0">
                 <a:effectLst>
                   <a:outerShdw blurRad="38100" dist="38100" dir="2700000" algn="tl">
@@ -4207,14 +4417,14 @@
           </a:ln>
           <a:effectLst/>
           <a:extLst>
-            <a:ext uri="{909E8E84-426E-40DD-AFC4-6F175D3DCCD1}">
+            <a:ext uri="{909E8E84-426E-40dd-AFC4-6F175D3DCCD1}">
               <a14:hiddenFill xmlns:a14="http://schemas.microsoft.com/office/drawing/2010/main">
                 <a:solidFill>
                   <a:schemeClr val="accent1"/>
                 </a:solidFill>
               </a14:hiddenFill>
             </a:ext>
-            <a:ext uri="{91240B29-F687-4F45-9708-019B960494DF}">
+            <a:ext uri="{91240B29-F687-4f45-9708-019B960494DF}">
               <a14:hiddenLine xmlns:a14="http://schemas.microsoft.com/office/drawing/2010/main" w="9525">
                 <a:solidFill>
                   <a:schemeClr val="tx1"/>
@@ -4224,7 +4434,7 @@
                 <a:tailEnd/>
               </a14:hiddenLine>
             </a:ext>
-            <a:ext uri="{AF507438-7753-43E0-B8FC-AC1667EBCBE1}">
+            <a:ext uri="{AF507438-7753-43e0-B8FC-AC1667EBCBE1}">
               <a14:hiddenEffects xmlns:a14="http://schemas.microsoft.com/office/drawing/2010/main">
                 <a:effectLst>
                   <a:outerShdw dist="35921" dir="2700000" algn="ctr" rotWithShape="0">
@@ -4442,7 +4652,7 @@
   <p:timing>
     <p:tnLst>
       <p:par>
-        <p:cTn id="1" dur="indefinite" restart="never" nodeType="tmRoot">
+        <p:cTn xmlns:p14="http://schemas.microsoft.com/office/powerpoint/2010/main" id="1" dur="indefinite" restart="never" nodeType="tmRoot">
           <p:childTnLst>
             <p:seq concurrent="1" nextAc="seek">
               <p:cTn id="2" dur="indefinite" nodeType="mainSeq">
@@ -4650,7 +4860,7 @@
 </p:sld>
 </file>
 
-<file path=ppt/slides/slide3.xml><?xml version="1.0" encoding="utf-8"?>
+<file path=ppt/slides/slide4.xml><?xml version="1.0" encoding="utf-8"?>
 <p:sld xmlns:a="http://schemas.openxmlformats.org/drawingml/2006/main" xmlns:r="http://schemas.openxmlformats.org/officeDocument/2006/relationships" xmlns:p="http://schemas.openxmlformats.org/presentationml/2006/main">
   <p:cSld>
     <p:spTree>
@@ -4712,7 +4922,7 @@
             </a:prstGeom>
             <a:noFill/>
             <a:extLst>
-              <a:ext uri="{909E8E84-426E-40DD-AFC4-6F175D3DCCD1}">
+              <a:ext uri="{909E8E84-426E-40dd-AFC4-6F175D3DCCD1}">
                 <a14:hiddenFill xmlns:a14="http://schemas.microsoft.com/office/drawing/2010/main">
                   <a:solidFill>
                     <a:srgbClr val="FFFFFF"/>
@@ -4882,7 +5092,7 @@
           </a:prstGeom>
           <a:noFill/>
           <a:extLst>
-            <a:ext uri="{909E8E84-426E-40DD-AFC4-6F175D3DCCD1}">
+            <a:ext uri="{909E8E84-426E-40dd-AFC4-6F175D3DCCD1}">
               <a14:hiddenFill xmlns:a14="http://schemas.microsoft.com/office/drawing/2010/main">
                 <a:solidFill>
                   <a:srgbClr val="FFFFFF"/>
@@ -4921,7 +5131,7 @@
           </a:prstGeom>
           <a:noFill/>
           <a:extLst>
-            <a:ext uri="{909E8E84-426E-40DD-AFC4-6F175D3DCCD1}">
+            <a:ext uri="{909E8E84-426E-40dd-AFC4-6F175D3DCCD1}">
               <a14:hiddenFill xmlns:a14="http://schemas.microsoft.com/office/drawing/2010/main">
                 <a:solidFill>
                   <a:srgbClr val="FFFFFF"/>
@@ -4960,7 +5170,7 @@
           </a:prstGeom>
           <a:noFill/>
           <a:extLst>
-            <a:ext uri="{909E8E84-426E-40DD-AFC4-6F175D3DCCD1}">
+            <a:ext uri="{909E8E84-426E-40dd-AFC4-6F175D3DCCD1}">
               <a14:hiddenFill xmlns:a14="http://schemas.microsoft.com/office/drawing/2010/main">
                 <a:solidFill>
                   <a:srgbClr val="FFFFFF"/>
@@ -5026,7 +5236,7 @@
             </a:prstGeom>
             <a:noFill/>
             <a:extLst>
-              <a:ext uri="{909E8E84-426E-40DD-AFC4-6F175D3DCCD1}">
+              <a:ext uri="{909E8E84-426E-40dd-AFC4-6F175D3DCCD1}">
                 <a14:hiddenFill xmlns:a14="http://schemas.microsoft.com/office/drawing/2010/main">
                   <a:solidFill>
                     <a:srgbClr val="FFFFFF"/>
@@ -5174,7 +5384,7 @@
             </a:prstGeom>
             <a:noFill/>
             <a:extLst>
-              <a:ext uri="{909E8E84-426E-40DD-AFC4-6F175D3DCCD1}">
+              <a:ext uri="{909E8E84-426E-40dd-AFC4-6F175D3DCCD1}">
                 <a14:hiddenFill xmlns:a14="http://schemas.microsoft.com/office/drawing/2010/main">
                   <a:solidFill>
                     <a:srgbClr val="FFFFFF"/>
@@ -6407,7 +6617,7 @@
           </a:prstGeom>
           <a:noFill/>
           <a:extLst>
-            <a:ext uri="{909E8E84-426E-40DD-AFC4-6F175D3DCCD1}">
+            <a:ext uri="{909E8E84-426E-40dd-AFC4-6F175D3DCCD1}">
               <a14:hiddenFill xmlns:a14="http://schemas.microsoft.com/office/drawing/2010/main">
                 <a:solidFill>
                   <a:srgbClr val="FFFFFF"/>
@@ -6609,7 +6819,7 @@
             </a:prstGeom>
             <a:noFill/>
             <a:extLst>
-              <a:ext uri="{909E8E84-426E-40DD-AFC4-6F175D3DCCD1}">
+              <a:ext uri="{909E8E84-426E-40dd-AFC4-6F175D3DCCD1}">
                 <a14:hiddenFill xmlns:a14="http://schemas.microsoft.com/office/drawing/2010/main">
                   <a:solidFill>
                     <a:srgbClr val="FFFFFF"/>
@@ -6633,7 +6843,7 @@
   <p:timing>
     <p:tnLst>
       <p:par>
-        <p:cTn id="1" dur="indefinite" restart="never" nodeType="tmRoot">
+        <p:cTn xmlns:p14="http://schemas.microsoft.com/office/powerpoint/2010/main" id="1" dur="indefinite" restart="never" nodeType="tmRoot">
           <p:childTnLst>
             <p:seq concurrent="1" nextAc="seek">
               <p:cTn id="2" dur="indefinite" nodeType="mainSeq">
@@ -8467,7 +8677,7 @@
 </p:sld>
 </file>
 
-<file path=ppt/slides/slide4.xml><?xml version="1.0" encoding="utf-8"?>
+<file path=ppt/slides/slide5.xml><?xml version="1.0" encoding="utf-8"?>
 <p:sld xmlns:a="http://schemas.openxmlformats.org/drawingml/2006/main" xmlns:r="http://schemas.openxmlformats.org/officeDocument/2006/relationships" xmlns:p="http://schemas.openxmlformats.org/presentationml/2006/main">
   <p:cSld>
     <p:spTree>
@@ -8502,7 +8712,7 @@
           </a:prstGeom>
           <a:noFill/>
           <a:extLst>
-            <a:ext uri="{909E8E84-426E-40DD-AFC4-6F175D3DCCD1}">
+            <a:ext uri="{909E8E84-426E-40dd-AFC4-6F175D3DCCD1}">
               <a14:hiddenFill xmlns:a14="http://schemas.microsoft.com/office/drawing/2010/main">
                 <a:solidFill>
                   <a:srgbClr val="FFFFFF"/>
@@ -8541,7 +8751,7 @@
           </a:prstGeom>
           <a:noFill/>
           <a:extLst>
-            <a:ext uri="{909E8E84-426E-40DD-AFC4-6F175D3DCCD1}">
+            <a:ext uri="{909E8E84-426E-40dd-AFC4-6F175D3DCCD1}">
               <a14:hiddenFill xmlns:a14="http://schemas.microsoft.com/office/drawing/2010/main">
                 <a:solidFill>
                   <a:srgbClr val="FFFFFF"/>
@@ -8580,7 +8790,7 @@
           </a:prstGeom>
           <a:noFill/>
           <a:extLst>
-            <a:ext uri="{909E8E84-426E-40DD-AFC4-6F175D3DCCD1}">
+            <a:ext uri="{909E8E84-426E-40dd-AFC4-6F175D3DCCD1}">
               <a14:hiddenFill xmlns:a14="http://schemas.microsoft.com/office/drawing/2010/main">
                 <a:solidFill>
                   <a:srgbClr val="FFFFFF"/>
@@ -8646,7 +8856,7 @@
             </a:prstGeom>
             <a:noFill/>
             <a:extLst>
-              <a:ext uri="{909E8E84-426E-40DD-AFC4-6F175D3DCCD1}">
+              <a:ext uri="{909E8E84-426E-40dd-AFC4-6F175D3DCCD1}">
                 <a14:hiddenFill xmlns:a14="http://schemas.microsoft.com/office/drawing/2010/main">
                   <a:solidFill>
                     <a:srgbClr val="FFFFFF"/>
@@ -8931,7 +9141,7 @@
           </a:prstGeom>
           <a:noFill/>
           <a:extLst>
-            <a:ext uri="{909E8E84-426E-40DD-AFC4-6F175D3DCCD1}">
+            <a:ext uri="{909E8E84-426E-40dd-AFC4-6F175D3DCCD1}">
               <a14:hiddenFill xmlns:a14="http://schemas.microsoft.com/office/drawing/2010/main">
                 <a:solidFill>
                   <a:srgbClr val="FFFFFF"/>
@@ -9470,7 +9680,7 @@
             </a:prstGeom>
             <a:noFill/>
             <a:extLst>
-              <a:ext uri="{909E8E84-426E-40DD-AFC4-6F175D3DCCD1}">
+              <a:ext uri="{909E8E84-426E-40dd-AFC4-6F175D3DCCD1}">
                 <a14:hiddenFill xmlns:a14="http://schemas.microsoft.com/office/drawing/2010/main">
                   <a:solidFill>
                     <a:srgbClr val="FFFFFF"/>
@@ -9494,7 +9704,7 @@
   <p:timing>
     <p:tnLst>
       <p:par>
-        <p:cTn id="1" dur="indefinite" restart="never" nodeType="tmRoot">
+        <p:cTn xmlns:p14="http://schemas.microsoft.com/office/powerpoint/2010/main" id="1" dur="indefinite" restart="never" nodeType="tmRoot">
           <p:childTnLst>
             <p:seq concurrent="1" nextAc="seek">
               <p:cTn id="2" dur="indefinite" nodeType="mainSeq">
@@ -9919,523 +10129,6 @@
       <p:bldP spid="28" grpId="0" animBg="1"/>
       <p:bldP spid="64" grpId="0"/>
     </p:bldLst>
-  </p:timing>
-</p:sld>
-</file>
-
-<file path=ppt/slides/slide5.xml><?xml version="1.0" encoding="utf-8"?>
-<p:sld xmlns:a="http://schemas.openxmlformats.org/drawingml/2006/main" xmlns:r="http://schemas.openxmlformats.org/officeDocument/2006/relationships" xmlns:p="http://schemas.openxmlformats.org/presentationml/2006/main">
-  <p:cSld>
-    <p:spTree>
-      <p:nvGrpSpPr>
-        <p:cNvPr id="1" name=""/>
-        <p:cNvGrpSpPr/>
-        <p:nvPr/>
-      </p:nvGrpSpPr>
-      <p:grpSpPr>
-        <a:xfrm>
-          <a:off x="0" y="0"/>
-          <a:ext cx="0" cy="0"/>
-          <a:chOff x="0" y="0"/>
-          <a:chExt cx="0" cy="0"/>
-        </a:xfrm>
-      </p:grpSpPr>
-      <p:sp>
-        <p:nvSpPr>
-          <p:cNvPr id="2" name="標題 1"/>
-          <p:cNvSpPr>
-            <a:spLocks noGrp="1"/>
-          </p:cNvSpPr>
-          <p:nvPr>
-            <p:ph type="title"/>
-          </p:nvPr>
-        </p:nvSpPr>
-        <p:spPr>
-          <a:xfrm>
-            <a:off x="457200" y="485800"/>
-            <a:ext cx="8229600" cy="1143000"/>
-          </a:xfrm>
-        </p:spPr>
-        <p:txBody>
-          <a:bodyPr/>
-          <a:lstStyle/>
-          <a:p>
-            <a:r>
-              <a:rPr lang="en-US" altLang="zh-TW" dirty="0" smtClean="0"/>
-              <a:t>Socket</a:t>
-            </a:r>
-            <a:endParaRPr lang="zh-TW" altLang="en-US" dirty="0"/>
-          </a:p>
-        </p:txBody>
-      </p:sp>
-      <p:sp>
-        <p:nvSpPr>
-          <p:cNvPr id="3" name="內容版面配置區 2"/>
-          <p:cNvSpPr>
-            <a:spLocks noGrp="1"/>
-          </p:cNvSpPr>
-          <p:nvPr>
-            <p:ph idx="1"/>
-          </p:nvPr>
-        </p:nvSpPr>
-        <p:spPr/>
-        <p:txBody>
-          <a:bodyPr/>
-          <a:lstStyle/>
-          <a:p>
-            <a:r>
-              <a:rPr lang="en-US" altLang="zh-TW" dirty="0" smtClean="0"/>
-              <a:t>Client</a:t>
-            </a:r>
-            <a:r>
-              <a:rPr lang="zh-TW" altLang="en-US" dirty="0" smtClean="0"/>
-              <a:t>端每次傳送</a:t>
-            </a:r>
-            <a:r>
-              <a:rPr lang="en-US" altLang="zh-TW" dirty="0" smtClean="0"/>
-              <a:t>1024</a:t>
-            </a:r>
-            <a:r>
-              <a:rPr lang="zh-TW" altLang="en-US" dirty="0" smtClean="0"/>
-              <a:t>的資料量，在結尾的地方接上結尾字串</a:t>
-            </a:r>
-            <a:r>
-              <a:rPr lang="en-US" altLang="zh-TW" dirty="0" smtClean="0"/>
-              <a:t>(</a:t>
-            </a:r>
-            <a:r>
-              <a:rPr lang="en-US" altLang="zh-TW" dirty="0" err="1" smtClean="0"/>
-              <a:t>theend</a:t>
-            </a:r>
-            <a:r>
-              <a:rPr lang="en-US" altLang="zh-TW" dirty="0" smtClean="0"/>
-              <a:t>)</a:t>
-            </a:r>
-            <a:r>
-              <a:rPr lang="zh-TW" altLang="en-US" dirty="0" smtClean="0"/>
-              <a:t>，以便</a:t>
-            </a:r>
-            <a:r>
-              <a:rPr lang="en-US" altLang="zh-TW" dirty="0"/>
-              <a:t>S</a:t>
-            </a:r>
-            <a:r>
-              <a:rPr lang="en-US" altLang="zh-TW" dirty="0" smtClean="0"/>
-              <a:t>erver</a:t>
-            </a:r>
-            <a:r>
-              <a:rPr lang="zh-TW" altLang="en-US" dirty="0" smtClean="0"/>
-              <a:t>端能夠判端照片是否已經傳完。</a:t>
-            </a:r>
-            <a:endParaRPr lang="en-US" altLang="zh-TW" dirty="0" smtClean="0"/>
-          </a:p>
-          <a:p>
-            <a:r>
-              <a:rPr lang="zh-TW" altLang="en-US" dirty="0"/>
-              <a:t>在</a:t>
-            </a:r>
-            <a:r>
-              <a:rPr lang="en-US" altLang="zh-TW" dirty="0"/>
-              <a:t>Client</a:t>
-            </a:r>
-            <a:r>
-              <a:rPr lang="zh-TW" altLang="en-US" dirty="0" smtClean="0"/>
-              <a:t>端加入重新自動連回</a:t>
-            </a:r>
-            <a:r>
-              <a:rPr lang="en-US" altLang="zh-TW" dirty="0" smtClean="0"/>
-              <a:t>Server</a:t>
-            </a:r>
-            <a:r>
-              <a:rPr lang="zh-TW" altLang="en-US" dirty="0" smtClean="0"/>
-              <a:t>的功能。若是</a:t>
-            </a:r>
-            <a:r>
-              <a:rPr lang="en-US" altLang="zh-TW" dirty="0" smtClean="0"/>
-              <a:t>Server</a:t>
-            </a:r>
-            <a:r>
-              <a:rPr lang="zh-TW" altLang="en-US" dirty="0" smtClean="0"/>
-              <a:t>有需要</a:t>
-            </a:r>
-            <a:r>
-              <a:rPr lang="zh-TW" altLang="en-US" dirty="0"/>
-              <a:t>而</a:t>
-            </a:r>
-            <a:r>
-              <a:rPr lang="zh-TW" altLang="en-US" dirty="0" smtClean="0"/>
-              <a:t>進行關閉，</a:t>
-            </a:r>
-            <a:r>
-              <a:rPr lang="en-US" altLang="zh-TW" dirty="0" smtClean="0"/>
-              <a:t>Client</a:t>
-            </a:r>
-            <a:r>
-              <a:rPr lang="zh-TW" altLang="en-US" dirty="0" smtClean="0"/>
-              <a:t>端必須要能夠自動連回</a:t>
-            </a:r>
-            <a:r>
-              <a:rPr lang="en-US" altLang="zh-TW" dirty="0" smtClean="0"/>
-              <a:t>Server</a:t>
-            </a:r>
-            <a:r>
-              <a:rPr lang="zh-TW" altLang="en-US" dirty="0" smtClean="0"/>
-              <a:t>。</a:t>
-            </a:r>
-            <a:endParaRPr lang="en-US" altLang="zh-TW" dirty="0" smtClean="0"/>
-          </a:p>
-          <a:p>
-            <a:pPr marL="0" indent="0">
-              <a:buNone/>
-            </a:pPr>
-            <a:r>
-              <a:rPr lang="en-US" altLang="zh-TW" sz="1800" dirty="0" err="1" smtClean="0">
-                <a:solidFill>
-                  <a:srgbClr val="FF0000"/>
-                </a:solidFill>
-              </a:rPr>
-              <a:t>p.s</a:t>
-            </a:r>
-            <a:r>
-              <a:rPr lang="en-US" altLang="zh-TW" sz="1800" dirty="0" smtClean="0">
-                <a:solidFill>
-                  <a:srgbClr val="FF0000"/>
-                </a:solidFill>
-              </a:rPr>
-              <a:t> : </a:t>
-            </a:r>
-            <a:r>
-              <a:rPr lang="zh-TW" altLang="en-US" sz="1800" dirty="0" smtClean="0">
-                <a:solidFill>
-                  <a:srgbClr val="FF0000"/>
-                </a:solidFill>
-              </a:rPr>
-              <a:t>若是</a:t>
-            </a:r>
-            <a:r>
-              <a:rPr lang="en-US" altLang="zh-TW" sz="1800" dirty="0" smtClean="0">
-                <a:solidFill>
-                  <a:srgbClr val="FF0000"/>
-                </a:solidFill>
-              </a:rPr>
-              <a:t>Client</a:t>
-            </a:r>
-            <a:r>
-              <a:rPr lang="zh-TW" altLang="en-US" sz="1800" dirty="0" smtClean="0">
-                <a:solidFill>
-                  <a:srgbClr val="FF0000"/>
-                </a:solidFill>
-              </a:rPr>
-              <a:t>與</a:t>
-            </a:r>
-            <a:r>
-              <a:rPr lang="en-US" altLang="zh-TW" sz="1800" dirty="0" smtClean="0">
-                <a:solidFill>
-                  <a:srgbClr val="FF0000"/>
-                </a:solidFill>
-              </a:rPr>
-              <a:t>Server</a:t>
-            </a:r>
-            <a:r>
-              <a:rPr lang="zh-TW" altLang="en-US" sz="1800" dirty="0" smtClean="0">
-                <a:solidFill>
-                  <a:srgbClr val="FF0000"/>
-                </a:solidFill>
-              </a:rPr>
-              <a:t>端斷線，必須將</a:t>
-            </a:r>
-            <a:r>
-              <a:rPr lang="en-US" altLang="zh-TW" sz="1800" dirty="0" smtClean="0">
-                <a:solidFill>
-                  <a:srgbClr val="FF0000"/>
-                </a:solidFill>
-              </a:rPr>
-              <a:t>Socket</a:t>
-            </a:r>
-            <a:r>
-              <a:rPr lang="zh-TW" altLang="en-US" sz="1800" dirty="0" smtClean="0">
-                <a:solidFill>
-                  <a:srgbClr val="FF0000"/>
-                </a:solidFill>
-              </a:rPr>
-              <a:t>關閉，並開新的</a:t>
-            </a:r>
-            <a:r>
-              <a:rPr lang="en-US" altLang="zh-TW" sz="1800" dirty="0" smtClean="0">
-                <a:solidFill>
-                  <a:srgbClr val="FF0000"/>
-                </a:solidFill>
-              </a:rPr>
-              <a:t>Socket</a:t>
-            </a:r>
-            <a:r>
-              <a:rPr lang="zh-TW" altLang="en-US" sz="1800" dirty="0" smtClean="0">
-                <a:solidFill>
-                  <a:srgbClr val="FF0000"/>
-                </a:solidFill>
-              </a:rPr>
-              <a:t>，否則原</a:t>
-            </a:r>
-            <a:r>
-              <a:rPr lang="en-US" altLang="zh-TW" sz="1800" dirty="0" smtClean="0">
-                <a:solidFill>
-                  <a:srgbClr val="FF0000"/>
-                </a:solidFill>
-              </a:rPr>
-              <a:t>Socket</a:t>
-            </a:r>
-            <a:r>
-              <a:rPr lang="zh-TW" altLang="en-US" sz="1800" dirty="0" smtClean="0">
-                <a:solidFill>
-                  <a:srgbClr val="FF0000"/>
-                </a:solidFill>
-              </a:rPr>
-              <a:t>會一直存在，導致</a:t>
-            </a:r>
-            <a:r>
-              <a:rPr lang="en-US" altLang="zh-TW" sz="1800" dirty="0" smtClean="0">
-                <a:solidFill>
-                  <a:srgbClr val="FF0000"/>
-                </a:solidFill>
-              </a:rPr>
-              <a:t>Client</a:t>
-            </a:r>
-            <a:r>
-              <a:rPr lang="zh-TW" altLang="en-US" sz="1800" dirty="0" smtClean="0">
-                <a:solidFill>
-                  <a:srgbClr val="FF0000"/>
-                </a:solidFill>
-              </a:rPr>
-              <a:t>端無法再連到</a:t>
-            </a:r>
-            <a:r>
-              <a:rPr lang="en-US" altLang="zh-TW" sz="1800" dirty="0" smtClean="0">
-                <a:solidFill>
-                  <a:srgbClr val="FF0000"/>
-                </a:solidFill>
-              </a:rPr>
-              <a:t>Server</a:t>
-            </a:r>
-            <a:r>
-              <a:rPr lang="zh-TW" altLang="en-US" sz="1800" dirty="0" smtClean="0">
-                <a:solidFill>
-                  <a:srgbClr val="FF0000"/>
-                </a:solidFill>
-              </a:rPr>
-              <a:t>端</a:t>
-            </a:r>
-            <a:endParaRPr lang="en-US" altLang="zh-TW" sz="1800" dirty="0" smtClean="0">
-              <a:solidFill>
-                <a:srgbClr val="FF0000"/>
-              </a:solidFill>
-            </a:endParaRPr>
-          </a:p>
-        </p:txBody>
-      </p:sp>
-    </p:spTree>
-    <p:extLst>
-      <p:ext uri="{BB962C8B-B14F-4D97-AF65-F5344CB8AC3E}">
-        <p14:creationId xmlns:p14="http://schemas.microsoft.com/office/powerpoint/2010/main" val="261006176"/>
-      </p:ext>
-    </p:extLst>
-  </p:cSld>
-  <p:clrMapOvr>
-    <a:masterClrMapping/>
-  </p:clrMapOvr>
-  <p:timing>
-    <p:tnLst>
-      <p:par>
-        <p:cTn id="1" dur="indefinite" restart="never" nodeType="tmRoot">
-          <p:childTnLst>
-            <p:seq concurrent="1" nextAc="seek">
-              <p:cTn id="2" dur="indefinite" nodeType="mainSeq">
-                <p:childTnLst>
-                  <p:par>
-                    <p:cTn id="3" fill="hold">
-                      <p:stCondLst>
-                        <p:cond delay="indefinite"/>
-                      </p:stCondLst>
-                      <p:childTnLst>
-                        <p:par>
-                          <p:cTn id="4" fill="hold">
-                            <p:stCondLst>
-                              <p:cond delay="0"/>
-                            </p:stCondLst>
-                            <p:childTnLst>
-                              <p:par>
-                                <p:cTn id="5" presetID="10" presetClass="entr" presetSubtype="0" fill="hold" nodeType="clickEffect">
-                                  <p:stCondLst>
-                                    <p:cond delay="0"/>
-                                  </p:stCondLst>
-                                  <p:childTnLst>
-                                    <p:set>
-                                      <p:cBhvr>
-                                        <p:cTn id="6" dur="1" fill="hold">
-                                          <p:stCondLst>
-                                            <p:cond delay="0"/>
-                                          </p:stCondLst>
-                                        </p:cTn>
-                                        <p:tgtEl>
-                                          <p:spTgt spid="3">
-                                            <p:txEl>
-                                              <p:pRg st="0" end="0"/>
-                                            </p:txEl>
-                                          </p:spTgt>
-                                        </p:tgtEl>
-                                        <p:attrNameLst>
-                                          <p:attrName>style.visibility</p:attrName>
-                                        </p:attrNameLst>
-                                      </p:cBhvr>
-                                      <p:to>
-                                        <p:strVal val="visible"/>
-                                      </p:to>
-                                    </p:set>
-                                    <p:animEffect transition="in" filter="fade">
-                                      <p:cBhvr>
-                                        <p:cTn id="7" dur="500"/>
-                                        <p:tgtEl>
-                                          <p:spTgt spid="3">
-                                            <p:txEl>
-                                              <p:pRg st="0" end="0"/>
-                                            </p:txEl>
-                                          </p:spTgt>
-                                        </p:tgtEl>
-                                      </p:cBhvr>
-                                    </p:animEffect>
-                                  </p:childTnLst>
-                                </p:cTn>
-                              </p:par>
-                            </p:childTnLst>
-                          </p:cTn>
-                        </p:par>
-                      </p:childTnLst>
-                    </p:cTn>
-                  </p:par>
-                  <p:par>
-                    <p:cTn id="8" fill="hold">
-                      <p:stCondLst>
-                        <p:cond delay="indefinite"/>
-                      </p:stCondLst>
-                      <p:childTnLst>
-                        <p:par>
-                          <p:cTn id="9" fill="hold">
-                            <p:stCondLst>
-                              <p:cond delay="0"/>
-                            </p:stCondLst>
-                            <p:childTnLst>
-                              <p:par>
-                                <p:cTn id="10" presetID="10" presetClass="entr" presetSubtype="0" fill="hold" nodeType="clickEffect">
-                                  <p:stCondLst>
-                                    <p:cond delay="0"/>
-                                  </p:stCondLst>
-                                  <p:childTnLst>
-                                    <p:set>
-                                      <p:cBhvr>
-                                        <p:cTn id="11" dur="1" fill="hold">
-                                          <p:stCondLst>
-                                            <p:cond delay="0"/>
-                                          </p:stCondLst>
-                                        </p:cTn>
-                                        <p:tgtEl>
-                                          <p:spTgt spid="3">
-                                            <p:txEl>
-                                              <p:pRg st="1" end="1"/>
-                                            </p:txEl>
-                                          </p:spTgt>
-                                        </p:tgtEl>
-                                        <p:attrNameLst>
-                                          <p:attrName>style.visibility</p:attrName>
-                                        </p:attrNameLst>
-                                      </p:cBhvr>
-                                      <p:to>
-                                        <p:strVal val="visible"/>
-                                      </p:to>
-                                    </p:set>
-                                    <p:animEffect transition="in" filter="fade">
-                                      <p:cBhvr>
-                                        <p:cTn id="12" dur="500"/>
-                                        <p:tgtEl>
-                                          <p:spTgt spid="3">
-                                            <p:txEl>
-                                              <p:pRg st="1" end="1"/>
-                                            </p:txEl>
-                                          </p:spTgt>
-                                        </p:tgtEl>
-                                      </p:cBhvr>
-                                    </p:animEffect>
-                                  </p:childTnLst>
-                                </p:cTn>
-                              </p:par>
-                              <p:par>
-                                <p:cTn id="13" presetID="10" presetClass="entr" presetSubtype="0" fill="hold" nodeType="withEffect">
-                                  <p:stCondLst>
-                                    <p:cond delay="0"/>
-                                  </p:stCondLst>
-                                  <p:childTnLst>
-                                    <p:set>
-                                      <p:cBhvr>
-                                        <p:cTn id="14" dur="1" fill="hold">
-                                          <p:stCondLst>
-                                            <p:cond delay="0"/>
-                                          </p:stCondLst>
-                                        </p:cTn>
-                                        <p:tgtEl>
-                                          <p:spTgt spid="3">
-                                            <p:txEl>
-                                              <p:pRg st="2" end="2"/>
-                                            </p:txEl>
-                                          </p:spTgt>
-                                        </p:tgtEl>
-                                        <p:attrNameLst>
-                                          <p:attrName>style.visibility</p:attrName>
-                                        </p:attrNameLst>
-                                      </p:cBhvr>
-                                      <p:to>
-                                        <p:strVal val="visible"/>
-                                      </p:to>
-                                    </p:set>
-                                    <p:animEffect transition="in" filter="fade">
-                                      <p:cBhvr>
-                                        <p:cTn id="15" dur="500"/>
-                                        <p:tgtEl>
-                                          <p:spTgt spid="3">
-                                            <p:txEl>
-                                              <p:pRg st="2" end="2"/>
-                                            </p:txEl>
-                                          </p:spTgt>
-                                        </p:tgtEl>
-                                      </p:cBhvr>
-                                    </p:animEffect>
-                                  </p:childTnLst>
-                                </p:cTn>
-                              </p:par>
-                            </p:childTnLst>
-                          </p:cTn>
-                        </p:par>
-                      </p:childTnLst>
-                    </p:cTn>
-                  </p:par>
-                </p:childTnLst>
-              </p:cTn>
-              <p:prevCondLst>
-                <p:cond evt="onPrev" delay="0">
-                  <p:tgtEl>
-                    <p:sldTgt/>
-                  </p:tgtEl>
-                </p:cond>
-              </p:prevCondLst>
-              <p:nextCondLst>
-                <p:cond evt="onNext" delay="0">
-                  <p:tgtEl>
-                    <p:sldTgt/>
-                  </p:tgtEl>
-                </p:cond>
-              </p:nextCondLst>
-            </p:seq>
-          </p:childTnLst>
-        </p:cTn>
-      </p:par>
-    </p:tnLst>
   </p:timing>
 </p:sld>
 </file>
@@ -10478,6 +10171,523 @@
           <a:lstStyle/>
           <a:p>
             <a:r>
+              <a:rPr lang="en-US" altLang="zh-TW" dirty="0" smtClean="0"/>
+              <a:t>Socket</a:t>
+            </a:r>
+            <a:endParaRPr lang="zh-TW" altLang="en-US" dirty="0"/>
+          </a:p>
+        </p:txBody>
+      </p:sp>
+      <p:sp>
+        <p:nvSpPr>
+          <p:cNvPr id="3" name="內容版面配置區 2"/>
+          <p:cNvSpPr>
+            <a:spLocks noGrp="1"/>
+          </p:cNvSpPr>
+          <p:nvPr>
+            <p:ph idx="1"/>
+          </p:nvPr>
+        </p:nvSpPr>
+        <p:spPr/>
+        <p:txBody>
+          <a:bodyPr/>
+          <a:lstStyle/>
+          <a:p>
+            <a:r>
+              <a:rPr lang="en-US" altLang="zh-TW" dirty="0" smtClean="0"/>
+              <a:t>Client</a:t>
+            </a:r>
+            <a:r>
+              <a:rPr lang="zh-TW" altLang="en-US" dirty="0" smtClean="0"/>
+              <a:t>端每次傳送</a:t>
+            </a:r>
+            <a:r>
+              <a:rPr lang="en-US" altLang="zh-TW" dirty="0" smtClean="0"/>
+              <a:t>1024</a:t>
+            </a:r>
+            <a:r>
+              <a:rPr lang="zh-TW" altLang="en-US" dirty="0" smtClean="0"/>
+              <a:t>的資料量，在結尾的地方接上結尾字串</a:t>
+            </a:r>
+            <a:r>
+              <a:rPr lang="en-US" altLang="zh-TW" dirty="0" smtClean="0"/>
+              <a:t>(</a:t>
+            </a:r>
+            <a:r>
+              <a:rPr lang="en-US" altLang="zh-TW" dirty="0" err="1" smtClean="0"/>
+              <a:t>theend</a:t>
+            </a:r>
+            <a:r>
+              <a:rPr lang="en-US" altLang="zh-TW" dirty="0" smtClean="0"/>
+              <a:t>)</a:t>
+            </a:r>
+            <a:r>
+              <a:rPr lang="zh-TW" altLang="en-US" dirty="0" smtClean="0"/>
+              <a:t>，以便</a:t>
+            </a:r>
+            <a:r>
+              <a:rPr lang="en-US" altLang="zh-TW" dirty="0"/>
+              <a:t>S</a:t>
+            </a:r>
+            <a:r>
+              <a:rPr lang="en-US" altLang="zh-TW" dirty="0" smtClean="0"/>
+              <a:t>erver</a:t>
+            </a:r>
+            <a:r>
+              <a:rPr lang="zh-TW" altLang="en-US" dirty="0" smtClean="0"/>
+              <a:t>端能夠判端照片是否已經傳完。</a:t>
+            </a:r>
+            <a:endParaRPr lang="en-US" altLang="zh-TW" dirty="0" smtClean="0"/>
+          </a:p>
+          <a:p>
+            <a:r>
+              <a:rPr lang="zh-TW" altLang="en-US" dirty="0"/>
+              <a:t>在</a:t>
+            </a:r>
+            <a:r>
+              <a:rPr lang="en-US" altLang="zh-TW" dirty="0"/>
+              <a:t>Client</a:t>
+            </a:r>
+            <a:r>
+              <a:rPr lang="zh-TW" altLang="en-US" dirty="0" smtClean="0"/>
+              <a:t>端加入重新自動連回</a:t>
+            </a:r>
+            <a:r>
+              <a:rPr lang="en-US" altLang="zh-TW" dirty="0" smtClean="0"/>
+              <a:t>Server</a:t>
+            </a:r>
+            <a:r>
+              <a:rPr lang="zh-TW" altLang="en-US" dirty="0" smtClean="0"/>
+              <a:t>的功能。若是</a:t>
+            </a:r>
+            <a:r>
+              <a:rPr lang="en-US" altLang="zh-TW" dirty="0" smtClean="0"/>
+              <a:t>Server</a:t>
+            </a:r>
+            <a:r>
+              <a:rPr lang="zh-TW" altLang="en-US" dirty="0" smtClean="0"/>
+              <a:t>有需要</a:t>
+            </a:r>
+            <a:r>
+              <a:rPr lang="zh-TW" altLang="en-US" dirty="0"/>
+              <a:t>而</a:t>
+            </a:r>
+            <a:r>
+              <a:rPr lang="zh-TW" altLang="en-US" dirty="0" smtClean="0"/>
+              <a:t>進行關閉，</a:t>
+            </a:r>
+            <a:r>
+              <a:rPr lang="en-US" altLang="zh-TW" dirty="0" smtClean="0"/>
+              <a:t>Client</a:t>
+            </a:r>
+            <a:r>
+              <a:rPr lang="zh-TW" altLang="en-US" dirty="0" smtClean="0"/>
+              <a:t>端必須要能夠自動連回</a:t>
+            </a:r>
+            <a:r>
+              <a:rPr lang="en-US" altLang="zh-TW" dirty="0" smtClean="0"/>
+              <a:t>Server</a:t>
+            </a:r>
+            <a:r>
+              <a:rPr lang="zh-TW" altLang="en-US" dirty="0" smtClean="0"/>
+              <a:t>。</a:t>
+            </a:r>
+            <a:endParaRPr lang="en-US" altLang="zh-TW" dirty="0" smtClean="0"/>
+          </a:p>
+          <a:p>
+            <a:pPr marL="0" indent="0">
+              <a:buNone/>
+            </a:pPr>
+            <a:r>
+              <a:rPr lang="en-US" altLang="zh-TW" sz="1800" dirty="0" err="1" smtClean="0">
+                <a:solidFill>
+                  <a:srgbClr val="FF0000"/>
+                </a:solidFill>
+              </a:rPr>
+              <a:t>p.s</a:t>
+            </a:r>
+            <a:r>
+              <a:rPr lang="en-US" altLang="zh-TW" sz="1800" dirty="0" smtClean="0">
+                <a:solidFill>
+                  <a:srgbClr val="FF0000"/>
+                </a:solidFill>
+              </a:rPr>
+              <a:t> : </a:t>
+            </a:r>
+            <a:r>
+              <a:rPr lang="zh-TW" altLang="en-US" sz="1800" dirty="0" smtClean="0">
+                <a:solidFill>
+                  <a:srgbClr val="FF0000"/>
+                </a:solidFill>
+              </a:rPr>
+              <a:t>若是</a:t>
+            </a:r>
+            <a:r>
+              <a:rPr lang="en-US" altLang="zh-TW" sz="1800" dirty="0" smtClean="0">
+                <a:solidFill>
+                  <a:srgbClr val="FF0000"/>
+                </a:solidFill>
+              </a:rPr>
+              <a:t>Client</a:t>
+            </a:r>
+            <a:r>
+              <a:rPr lang="zh-TW" altLang="en-US" sz="1800" dirty="0" smtClean="0">
+                <a:solidFill>
+                  <a:srgbClr val="FF0000"/>
+                </a:solidFill>
+              </a:rPr>
+              <a:t>與</a:t>
+            </a:r>
+            <a:r>
+              <a:rPr lang="en-US" altLang="zh-TW" sz="1800" dirty="0" smtClean="0">
+                <a:solidFill>
+                  <a:srgbClr val="FF0000"/>
+                </a:solidFill>
+              </a:rPr>
+              <a:t>Server</a:t>
+            </a:r>
+            <a:r>
+              <a:rPr lang="zh-TW" altLang="en-US" sz="1800" dirty="0" smtClean="0">
+                <a:solidFill>
+                  <a:srgbClr val="FF0000"/>
+                </a:solidFill>
+              </a:rPr>
+              <a:t>端斷線，必須將</a:t>
+            </a:r>
+            <a:r>
+              <a:rPr lang="en-US" altLang="zh-TW" sz="1800" dirty="0" smtClean="0">
+                <a:solidFill>
+                  <a:srgbClr val="FF0000"/>
+                </a:solidFill>
+              </a:rPr>
+              <a:t>Socket</a:t>
+            </a:r>
+            <a:r>
+              <a:rPr lang="zh-TW" altLang="en-US" sz="1800" dirty="0" smtClean="0">
+                <a:solidFill>
+                  <a:srgbClr val="FF0000"/>
+                </a:solidFill>
+              </a:rPr>
+              <a:t>關閉，並開新的</a:t>
+            </a:r>
+            <a:r>
+              <a:rPr lang="en-US" altLang="zh-TW" sz="1800" dirty="0" smtClean="0">
+                <a:solidFill>
+                  <a:srgbClr val="FF0000"/>
+                </a:solidFill>
+              </a:rPr>
+              <a:t>Socket</a:t>
+            </a:r>
+            <a:r>
+              <a:rPr lang="zh-TW" altLang="en-US" sz="1800" dirty="0" smtClean="0">
+                <a:solidFill>
+                  <a:srgbClr val="FF0000"/>
+                </a:solidFill>
+              </a:rPr>
+              <a:t>，否則原</a:t>
+            </a:r>
+            <a:r>
+              <a:rPr lang="en-US" altLang="zh-TW" sz="1800" dirty="0" smtClean="0">
+                <a:solidFill>
+                  <a:srgbClr val="FF0000"/>
+                </a:solidFill>
+              </a:rPr>
+              <a:t>Socket</a:t>
+            </a:r>
+            <a:r>
+              <a:rPr lang="zh-TW" altLang="en-US" sz="1800" dirty="0" smtClean="0">
+                <a:solidFill>
+                  <a:srgbClr val="FF0000"/>
+                </a:solidFill>
+              </a:rPr>
+              <a:t>會一直存在，導致</a:t>
+            </a:r>
+            <a:r>
+              <a:rPr lang="en-US" altLang="zh-TW" sz="1800" dirty="0" smtClean="0">
+                <a:solidFill>
+                  <a:srgbClr val="FF0000"/>
+                </a:solidFill>
+              </a:rPr>
+              <a:t>Client</a:t>
+            </a:r>
+            <a:r>
+              <a:rPr lang="zh-TW" altLang="en-US" sz="1800" dirty="0" smtClean="0">
+                <a:solidFill>
+                  <a:srgbClr val="FF0000"/>
+                </a:solidFill>
+              </a:rPr>
+              <a:t>端無法再連到</a:t>
+            </a:r>
+            <a:r>
+              <a:rPr lang="en-US" altLang="zh-TW" sz="1800" dirty="0" smtClean="0">
+                <a:solidFill>
+                  <a:srgbClr val="FF0000"/>
+                </a:solidFill>
+              </a:rPr>
+              <a:t>Server</a:t>
+            </a:r>
+            <a:r>
+              <a:rPr lang="zh-TW" altLang="en-US" sz="1800" dirty="0" smtClean="0">
+                <a:solidFill>
+                  <a:srgbClr val="FF0000"/>
+                </a:solidFill>
+              </a:rPr>
+              <a:t>端</a:t>
+            </a:r>
+            <a:endParaRPr lang="en-US" altLang="zh-TW" sz="1800" dirty="0" smtClean="0">
+              <a:solidFill>
+                <a:srgbClr val="FF0000"/>
+              </a:solidFill>
+            </a:endParaRPr>
+          </a:p>
+        </p:txBody>
+      </p:sp>
+    </p:spTree>
+    <p:extLst>
+      <p:ext uri="{BB962C8B-B14F-4D97-AF65-F5344CB8AC3E}">
+        <p14:creationId xmlns:p14="http://schemas.microsoft.com/office/powerpoint/2010/main" val="261006176"/>
+      </p:ext>
+    </p:extLst>
+  </p:cSld>
+  <p:clrMapOvr>
+    <a:masterClrMapping/>
+  </p:clrMapOvr>
+  <p:timing>
+    <p:tnLst>
+      <p:par>
+        <p:cTn xmlns:p14="http://schemas.microsoft.com/office/powerpoint/2010/main" id="1" dur="indefinite" restart="never" nodeType="tmRoot">
+          <p:childTnLst>
+            <p:seq concurrent="1" nextAc="seek">
+              <p:cTn id="2" dur="indefinite" nodeType="mainSeq">
+                <p:childTnLst>
+                  <p:par>
+                    <p:cTn id="3" fill="hold">
+                      <p:stCondLst>
+                        <p:cond delay="indefinite"/>
+                      </p:stCondLst>
+                      <p:childTnLst>
+                        <p:par>
+                          <p:cTn id="4" fill="hold">
+                            <p:stCondLst>
+                              <p:cond delay="0"/>
+                            </p:stCondLst>
+                            <p:childTnLst>
+                              <p:par>
+                                <p:cTn id="5" presetID="10" presetClass="entr" presetSubtype="0" fill="hold" nodeType="clickEffect">
+                                  <p:stCondLst>
+                                    <p:cond delay="0"/>
+                                  </p:stCondLst>
+                                  <p:childTnLst>
+                                    <p:set>
+                                      <p:cBhvr>
+                                        <p:cTn id="6" dur="1" fill="hold">
+                                          <p:stCondLst>
+                                            <p:cond delay="0"/>
+                                          </p:stCondLst>
+                                        </p:cTn>
+                                        <p:tgtEl>
+                                          <p:spTgt spid="3">
+                                            <p:txEl>
+                                              <p:pRg st="0" end="0"/>
+                                            </p:txEl>
+                                          </p:spTgt>
+                                        </p:tgtEl>
+                                        <p:attrNameLst>
+                                          <p:attrName>style.visibility</p:attrName>
+                                        </p:attrNameLst>
+                                      </p:cBhvr>
+                                      <p:to>
+                                        <p:strVal val="visible"/>
+                                      </p:to>
+                                    </p:set>
+                                    <p:animEffect transition="in" filter="fade">
+                                      <p:cBhvr>
+                                        <p:cTn id="7" dur="500"/>
+                                        <p:tgtEl>
+                                          <p:spTgt spid="3">
+                                            <p:txEl>
+                                              <p:pRg st="0" end="0"/>
+                                            </p:txEl>
+                                          </p:spTgt>
+                                        </p:tgtEl>
+                                      </p:cBhvr>
+                                    </p:animEffect>
+                                  </p:childTnLst>
+                                </p:cTn>
+                              </p:par>
+                            </p:childTnLst>
+                          </p:cTn>
+                        </p:par>
+                      </p:childTnLst>
+                    </p:cTn>
+                  </p:par>
+                  <p:par>
+                    <p:cTn id="8" fill="hold">
+                      <p:stCondLst>
+                        <p:cond delay="indefinite"/>
+                      </p:stCondLst>
+                      <p:childTnLst>
+                        <p:par>
+                          <p:cTn id="9" fill="hold">
+                            <p:stCondLst>
+                              <p:cond delay="0"/>
+                            </p:stCondLst>
+                            <p:childTnLst>
+                              <p:par>
+                                <p:cTn id="10" presetID="10" presetClass="entr" presetSubtype="0" fill="hold" nodeType="clickEffect">
+                                  <p:stCondLst>
+                                    <p:cond delay="0"/>
+                                  </p:stCondLst>
+                                  <p:childTnLst>
+                                    <p:set>
+                                      <p:cBhvr>
+                                        <p:cTn id="11" dur="1" fill="hold">
+                                          <p:stCondLst>
+                                            <p:cond delay="0"/>
+                                          </p:stCondLst>
+                                        </p:cTn>
+                                        <p:tgtEl>
+                                          <p:spTgt spid="3">
+                                            <p:txEl>
+                                              <p:pRg st="1" end="1"/>
+                                            </p:txEl>
+                                          </p:spTgt>
+                                        </p:tgtEl>
+                                        <p:attrNameLst>
+                                          <p:attrName>style.visibility</p:attrName>
+                                        </p:attrNameLst>
+                                      </p:cBhvr>
+                                      <p:to>
+                                        <p:strVal val="visible"/>
+                                      </p:to>
+                                    </p:set>
+                                    <p:animEffect transition="in" filter="fade">
+                                      <p:cBhvr>
+                                        <p:cTn id="12" dur="500"/>
+                                        <p:tgtEl>
+                                          <p:spTgt spid="3">
+                                            <p:txEl>
+                                              <p:pRg st="1" end="1"/>
+                                            </p:txEl>
+                                          </p:spTgt>
+                                        </p:tgtEl>
+                                      </p:cBhvr>
+                                    </p:animEffect>
+                                  </p:childTnLst>
+                                </p:cTn>
+                              </p:par>
+                              <p:par>
+                                <p:cTn id="13" presetID="10" presetClass="entr" presetSubtype="0" fill="hold" nodeType="withEffect">
+                                  <p:stCondLst>
+                                    <p:cond delay="0"/>
+                                  </p:stCondLst>
+                                  <p:childTnLst>
+                                    <p:set>
+                                      <p:cBhvr>
+                                        <p:cTn id="14" dur="1" fill="hold">
+                                          <p:stCondLst>
+                                            <p:cond delay="0"/>
+                                          </p:stCondLst>
+                                        </p:cTn>
+                                        <p:tgtEl>
+                                          <p:spTgt spid="3">
+                                            <p:txEl>
+                                              <p:pRg st="2" end="2"/>
+                                            </p:txEl>
+                                          </p:spTgt>
+                                        </p:tgtEl>
+                                        <p:attrNameLst>
+                                          <p:attrName>style.visibility</p:attrName>
+                                        </p:attrNameLst>
+                                      </p:cBhvr>
+                                      <p:to>
+                                        <p:strVal val="visible"/>
+                                      </p:to>
+                                    </p:set>
+                                    <p:animEffect transition="in" filter="fade">
+                                      <p:cBhvr>
+                                        <p:cTn id="15" dur="500"/>
+                                        <p:tgtEl>
+                                          <p:spTgt spid="3">
+                                            <p:txEl>
+                                              <p:pRg st="2" end="2"/>
+                                            </p:txEl>
+                                          </p:spTgt>
+                                        </p:tgtEl>
+                                      </p:cBhvr>
+                                    </p:animEffect>
+                                  </p:childTnLst>
+                                </p:cTn>
+                              </p:par>
+                            </p:childTnLst>
+                          </p:cTn>
+                        </p:par>
+                      </p:childTnLst>
+                    </p:cTn>
+                  </p:par>
+                </p:childTnLst>
+              </p:cTn>
+              <p:prevCondLst>
+                <p:cond evt="onPrev" delay="0">
+                  <p:tgtEl>
+                    <p:sldTgt/>
+                  </p:tgtEl>
+                </p:cond>
+              </p:prevCondLst>
+              <p:nextCondLst>
+                <p:cond evt="onNext" delay="0">
+                  <p:tgtEl>
+                    <p:sldTgt/>
+                  </p:tgtEl>
+                </p:cond>
+              </p:nextCondLst>
+            </p:seq>
+          </p:childTnLst>
+        </p:cTn>
+      </p:par>
+    </p:tnLst>
+  </p:timing>
+</p:sld>
+</file>
+
+<file path=ppt/slides/slide7.xml><?xml version="1.0" encoding="utf-8"?>
+<p:sld xmlns:a="http://schemas.openxmlformats.org/drawingml/2006/main" xmlns:r="http://schemas.openxmlformats.org/officeDocument/2006/relationships" xmlns:p="http://schemas.openxmlformats.org/presentationml/2006/main">
+  <p:cSld>
+    <p:spTree>
+      <p:nvGrpSpPr>
+        <p:cNvPr id="1" name=""/>
+        <p:cNvGrpSpPr/>
+        <p:nvPr/>
+      </p:nvGrpSpPr>
+      <p:grpSpPr>
+        <a:xfrm>
+          <a:off x="0" y="0"/>
+          <a:ext cx="0" cy="0"/>
+          <a:chOff x="0" y="0"/>
+          <a:chExt cx="0" cy="0"/>
+        </a:xfrm>
+      </p:grpSpPr>
+      <p:sp>
+        <p:nvSpPr>
+          <p:cNvPr id="2" name="標題 1"/>
+          <p:cNvSpPr>
+            <a:spLocks noGrp="1"/>
+          </p:cNvSpPr>
+          <p:nvPr>
+            <p:ph type="title"/>
+          </p:nvPr>
+        </p:nvSpPr>
+        <p:spPr>
+          <a:xfrm>
+            <a:off x="457200" y="485800"/>
+            <a:ext cx="8229600" cy="1143000"/>
+          </a:xfrm>
+        </p:spPr>
+        <p:txBody>
+          <a:bodyPr/>
+          <a:lstStyle/>
+          <a:p>
+            <a:r>
               <a:rPr lang="zh-TW" altLang="en-US" dirty="0" smtClean="0">
                 <a:effectLst>
                   <a:outerShdw blurRad="38100" dist="38100" dir="2700000" algn="tl">
@@ -10538,14 +10748,14 @@
           </a:ln>
           <a:effectLst/>
           <a:extLst>
-            <a:ext uri="{909E8E84-426E-40DD-AFC4-6F175D3DCCD1}">
+            <a:ext uri="{909E8E84-426E-40dd-AFC4-6F175D3DCCD1}">
               <a14:hiddenFill xmlns:a14="http://schemas.microsoft.com/office/drawing/2010/main">
                 <a:solidFill>
                   <a:schemeClr val="accent1"/>
                 </a:solidFill>
               </a14:hiddenFill>
             </a:ext>
-            <a:ext uri="{91240B29-F687-4F45-9708-019B960494DF}">
+            <a:ext uri="{91240B29-F687-4f45-9708-019B960494DF}">
               <a14:hiddenLine xmlns:a14="http://schemas.microsoft.com/office/drawing/2010/main" w="9525">
                 <a:solidFill>
                   <a:schemeClr val="tx1"/>
@@ -10555,7 +10765,7 @@
                 <a:tailEnd/>
               </a14:hiddenLine>
             </a:ext>
-            <a:ext uri="{AF507438-7753-43E0-B8FC-AC1667EBCBE1}">
+            <a:ext uri="{AF507438-7753-43e0-B8FC-AC1667EBCBE1}">
               <a14:hiddenEffects xmlns:a14="http://schemas.microsoft.com/office/drawing/2010/main">
                 <a:effectLst>
                   <a:outerShdw dist="35921" dir="2700000" algn="ctr" rotWithShape="0">
@@ -10668,14 +10878,14 @@
           </a:ln>
           <a:effectLst/>
           <a:extLst>
-            <a:ext uri="{909E8E84-426E-40DD-AFC4-6F175D3DCCD1}">
+            <a:ext uri="{909E8E84-426E-40dd-AFC4-6F175D3DCCD1}">
               <a14:hiddenFill xmlns:a14="http://schemas.microsoft.com/office/drawing/2010/main">
                 <a:solidFill>
                   <a:schemeClr val="accent1"/>
                 </a:solidFill>
               </a14:hiddenFill>
             </a:ext>
-            <a:ext uri="{91240B29-F687-4F45-9708-019B960494DF}">
+            <a:ext uri="{91240B29-F687-4f45-9708-019B960494DF}">
               <a14:hiddenLine xmlns:a14="http://schemas.microsoft.com/office/drawing/2010/main" w="9525">
                 <a:solidFill>
                   <a:schemeClr val="tx1"/>
@@ -10685,7 +10895,7 @@
                 <a:tailEnd/>
               </a14:hiddenLine>
             </a:ext>
-            <a:ext uri="{AF507438-7753-43E0-B8FC-AC1667EBCBE1}">
+            <a:ext uri="{AF507438-7753-43e0-B8FC-AC1667EBCBE1}">
               <a14:hiddenEffects xmlns:a14="http://schemas.microsoft.com/office/drawing/2010/main">
                 <a:effectLst>
                   <a:outerShdw dist="35921" dir="2700000" algn="ctr" rotWithShape="0">
@@ -10824,14 +11034,14 @@
             </a:ln>
             <a:effectLst/>
             <a:extLst>
-              <a:ext uri="{909E8E84-426E-40DD-AFC4-6F175D3DCCD1}">
+              <a:ext uri="{909E8E84-426E-40dd-AFC4-6F175D3DCCD1}">
                 <a14:hiddenFill xmlns:a14="http://schemas.microsoft.com/office/drawing/2010/main">
                   <a:solidFill>
                     <a:schemeClr val="accent1"/>
                   </a:solidFill>
                 </a14:hiddenFill>
               </a:ext>
-              <a:ext uri="{91240B29-F687-4F45-9708-019B960494DF}">
+              <a:ext uri="{91240B29-F687-4f45-9708-019B960494DF}">
                 <a14:hiddenLine xmlns:a14="http://schemas.microsoft.com/office/drawing/2010/main" w="9525">
                   <a:solidFill>
                     <a:schemeClr val="tx1"/>
@@ -10841,7 +11051,7 @@
                   <a:tailEnd/>
                 </a14:hiddenLine>
               </a:ext>
-              <a:ext uri="{AF507438-7753-43E0-B8FC-AC1667EBCBE1}">
+              <a:ext uri="{AF507438-7753-43e0-B8FC-AC1667EBCBE1}">
                 <a14:hiddenEffects xmlns:a14="http://schemas.microsoft.com/office/drawing/2010/main">
                   <a:effectLst>
                     <a:outerShdw dist="35921" dir="2700000" algn="ctr" rotWithShape="0">
@@ -10886,14 +11096,14 @@
             </a:ln>
             <a:effectLst/>
             <a:extLst>
-              <a:ext uri="{909E8E84-426E-40DD-AFC4-6F175D3DCCD1}">
+              <a:ext uri="{909E8E84-426E-40dd-AFC4-6F175D3DCCD1}">
                 <a14:hiddenFill xmlns:a14="http://schemas.microsoft.com/office/drawing/2010/main">
                   <a:solidFill>
                     <a:schemeClr val="accent1"/>
                   </a:solidFill>
                 </a14:hiddenFill>
               </a:ext>
-              <a:ext uri="{91240B29-F687-4F45-9708-019B960494DF}">
+              <a:ext uri="{91240B29-F687-4f45-9708-019B960494DF}">
                 <a14:hiddenLine xmlns:a14="http://schemas.microsoft.com/office/drawing/2010/main" w="9525">
                   <a:solidFill>
                     <a:schemeClr val="tx1"/>
@@ -10903,7 +11113,7 @@
                   <a:tailEnd/>
                 </a14:hiddenLine>
               </a:ext>
-              <a:ext uri="{AF507438-7753-43E0-B8FC-AC1667EBCBE1}">
+              <a:ext uri="{AF507438-7753-43e0-B8FC-AC1667EBCBE1}">
                 <a14:hiddenEffects xmlns:a14="http://schemas.microsoft.com/office/drawing/2010/main">
                   <a:effectLst>
                     <a:outerShdw dist="35921" dir="2700000" algn="ctr" rotWithShape="0">
@@ -10969,7 +11179,7 @@
           </a:prstGeom>
           <a:noFill/>
           <a:extLst>
-            <a:ext uri="{909E8E84-426E-40DD-AFC4-6F175D3DCCD1}">
+            <a:ext uri="{909E8E84-426E-40dd-AFC4-6F175D3DCCD1}">
               <a14:hiddenFill xmlns:a14="http://schemas.microsoft.com/office/drawing/2010/main">
                 <a:solidFill>
                   <a:srgbClr val="FFFFFF"/>
@@ -10992,7 +11202,7 @@
   <p:timing>
     <p:tnLst>
       <p:par>
-        <p:cTn id="1" dur="indefinite" restart="never" nodeType="tmRoot">
+        <p:cTn xmlns:p14="http://schemas.microsoft.com/office/powerpoint/2010/main" id="1" dur="indefinite" restart="never" nodeType="tmRoot">
           <p:childTnLst>
             <p:seq concurrent="1" nextAc="seek">
               <p:cTn id="2" dur="indefinite" nodeType="mainSeq">
@@ -11391,7 +11601,7 @@
 </p:sld>
 </file>
 
-<file path=ppt/slides/slide7.xml><?xml version="1.0" encoding="utf-8"?>
+<file path=ppt/slides/slide8.xml><?xml version="1.0" encoding="utf-8"?>
 <p:sld xmlns:a="http://schemas.openxmlformats.org/drawingml/2006/main" xmlns:r="http://schemas.openxmlformats.org/officeDocument/2006/relationships" xmlns:p="http://schemas.openxmlformats.org/presentationml/2006/main">
   <p:cSld>
     <p:spTree>
@@ -11489,7 +11699,7 @@
           </a:prstGeom>
           <a:noFill/>
           <a:extLst>
-            <a:ext uri="{909E8E84-426E-40DD-AFC4-6F175D3DCCD1}">
+            <a:ext uri="{909E8E84-426E-40dd-AFC4-6F175D3DCCD1}">
               <a14:hiddenFill xmlns:a14="http://schemas.microsoft.com/office/drawing/2010/main">
                 <a:solidFill>
                   <a:srgbClr val="FFFFFF"/>
@@ -11567,7 +11777,7 @@
           </a:prstGeom>
           <a:noFill/>
           <a:extLst>
-            <a:ext uri="{909E8E84-426E-40DD-AFC4-6F175D3DCCD1}">
+            <a:ext uri="{909E8E84-426E-40dd-AFC4-6F175D3DCCD1}">
               <a14:hiddenFill xmlns:a14="http://schemas.microsoft.com/office/drawing/2010/main">
                 <a:solidFill>
                   <a:srgbClr val="FFFFFF"/>
@@ -11626,7 +11836,7 @@
   <p:timing>
     <p:tnLst>
       <p:par>
-        <p:cTn id="1" dur="indefinite" restart="never" nodeType="tmRoot">
+        <p:cTn xmlns:p14="http://schemas.microsoft.com/office/powerpoint/2010/main" id="1" dur="indefinite" restart="never" nodeType="tmRoot">
           <p:childTnLst>
             <p:seq concurrent="1" nextAc="seek">
               <p:cTn id="2" dur="indefinite" nodeType="mainSeq">
@@ -11836,7 +12046,7 @@
 </p:sld>
 </file>
 
-<file path=ppt/slides/slide8.xml><?xml version="1.0" encoding="utf-8"?>
+<file path=ppt/slides/slide9.xml><?xml version="1.0" encoding="utf-8"?>
 <p:sld xmlns:a="http://schemas.openxmlformats.org/drawingml/2006/main" xmlns:r="http://schemas.openxmlformats.org/officeDocument/2006/relationships" xmlns:p="http://schemas.openxmlformats.org/presentationml/2006/main">
   <p:cSld>
     <p:spTree>
@@ -11925,7 +12135,7 @@
           </a:prstGeom>
           <a:noFill/>
           <a:extLst>
-            <a:ext uri="{909E8E84-426E-40DD-AFC4-6F175D3DCCD1}">
+            <a:ext uri="{909E8E84-426E-40dd-AFC4-6F175D3DCCD1}">
               <a14:hiddenFill xmlns:a14="http://schemas.microsoft.com/office/drawing/2010/main">
                 <a:solidFill>
                   <a:srgbClr val="FFFFFF"/>
@@ -12006,7 +12216,7 @@
           </a:prstGeom>
           <a:noFill/>
           <a:extLst>
-            <a:ext uri="{909E8E84-426E-40DD-AFC4-6F175D3DCCD1}">
+            <a:ext uri="{909E8E84-426E-40dd-AFC4-6F175D3DCCD1}">
               <a14:hiddenFill xmlns:a14="http://schemas.microsoft.com/office/drawing/2010/main">
                 <a:solidFill>
                   <a:srgbClr val="FFFFFF"/>
@@ -12079,7 +12289,7 @@
           </a:prstGeom>
           <a:noFill/>
           <a:extLst>
-            <a:ext uri="{909E8E84-426E-40DD-AFC4-6F175D3DCCD1}">
+            <a:ext uri="{909E8E84-426E-40dd-AFC4-6F175D3DCCD1}">
               <a14:hiddenFill xmlns:a14="http://schemas.microsoft.com/office/drawing/2010/main">
                 <a:solidFill>
                   <a:srgbClr val="FFFFFF"/>
@@ -12152,7 +12362,7 @@
           </a:prstGeom>
           <a:noFill/>
           <a:extLst>
-            <a:ext uri="{909E8E84-426E-40DD-AFC4-6F175D3DCCD1}">
+            <a:ext uri="{909E8E84-426E-40dd-AFC4-6F175D3DCCD1}">
               <a14:hiddenFill xmlns:a14="http://schemas.microsoft.com/office/drawing/2010/main">
                 <a:solidFill>
                   <a:srgbClr val="FFFFFF"/>
@@ -12193,7 +12403,7 @@
           </a:prstGeom>
           <a:noFill/>
           <a:extLst>
-            <a:ext uri="{909E8E84-426E-40DD-AFC4-6F175D3DCCD1}">
+            <a:ext uri="{909E8E84-426E-40dd-AFC4-6F175D3DCCD1}">
               <a14:hiddenFill xmlns:a14="http://schemas.microsoft.com/office/drawing/2010/main">
                 <a:solidFill>
                   <a:srgbClr val="FFFFFF"/>
@@ -12216,7 +12426,7 @@
   <p:timing>
     <p:tnLst>
       <p:par>
-        <p:cTn id="1" dur="indefinite" restart="never" nodeType="tmRoot">
+        <p:cTn xmlns:p14="http://schemas.microsoft.com/office/powerpoint/2010/main" id="1" dur="indefinite" restart="never" nodeType="tmRoot">
           <p:childTnLst>
             <p:seq concurrent="1" nextAc="seek">
               <p:cTn id="2" dur="indefinite" nodeType="mainSeq">
@@ -12707,127 +12917,6 @@
       <p:bldP spid="7" grpId="0"/>
     </p:bldLst>
   </p:timing>
-</p:sld>
-</file>
-
-<file path=ppt/slides/slide9.xml><?xml version="1.0" encoding="utf-8"?>
-<p:sld xmlns:a="http://schemas.openxmlformats.org/drawingml/2006/main" xmlns:r="http://schemas.openxmlformats.org/officeDocument/2006/relationships" xmlns:p="http://schemas.openxmlformats.org/presentationml/2006/main">
-  <p:cSld>
-    <p:spTree>
-      <p:nvGrpSpPr>
-        <p:cNvPr id="1" name=""/>
-        <p:cNvGrpSpPr/>
-        <p:nvPr/>
-      </p:nvGrpSpPr>
-      <p:grpSpPr>
-        <a:xfrm>
-          <a:off x="0" y="0"/>
-          <a:ext cx="0" cy="0"/>
-          <a:chOff x="0" y="0"/>
-          <a:chExt cx="0" cy="0"/>
-        </a:xfrm>
-      </p:grpSpPr>
-      <p:sp>
-        <p:nvSpPr>
-          <p:cNvPr id="2" name="標題 1"/>
-          <p:cNvSpPr>
-            <a:spLocks noGrp="1"/>
-          </p:cNvSpPr>
-          <p:nvPr>
-            <p:ph type="title"/>
-          </p:nvPr>
-        </p:nvSpPr>
-        <p:spPr>
-          <a:xfrm>
-            <a:off x="457200" y="485800"/>
-            <a:ext cx="8229600" cy="1143000"/>
-          </a:xfrm>
-        </p:spPr>
-        <p:txBody>
-          <a:bodyPr/>
-          <a:lstStyle/>
-          <a:p>
-            <a:r>
-              <a:rPr lang="en-US" altLang="zh-TW" dirty="0" smtClean="0"/>
-              <a:t>Conclusion</a:t>
-            </a:r>
-            <a:endParaRPr lang="zh-TW" altLang="en-US" dirty="0"/>
-          </a:p>
-        </p:txBody>
-      </p:sp>
-      <p:sp>
-        <p:nvSpPr>
-          <p:cNvPr id="3" name="內容版面配置區 2"/>
-          <p:cNvSpPr>
-            <a:spLocks noGrp="1"/>
-          </p:cNvSpPr>
-          <p:nvPr>
-            <p:ph idx="1"/>
-          </p:nvPr>
-        </p:nvSpPr>
-        <p:spPr/>
-        <p:txBody>
-          <a:bodyPr/>
-          <a:lstStyle/>
-          <a:p>
-            <a:r>
-              <a:rPr lang="zh-TW" altLang="en-US" dirty="0" smtClean="0"/>
-              <a:t>有抓到一天的資料，可是不小心被覆蓋掉了，沒有留下數據檔案。</a:t>
-            </a:r>
-            <a:endParaRPr lang="en-US" altLang="zh-TW" dirty="0" smtClean="0"/>
-          </a:p>
-          <a:p>
-            <a:r>
-              <a:rPr lang="zh-TW" altLang="en-US" dirty="0"/>
-              <a:t>當天看到的數據可以</a:t>
-            </a:r>
-            <a:r>
-              <a:rPr lang="zh-TW" altLang="en-US" dirty="0" smtClean="0"/>
-              <a:t>發現有兩個區域偵測到的數據是</a:t>
-            </a:r>
-            <a:r>
-              <a:rPr lang="en-US" altLang="zh-TW" dirty="0" smtClean="0"/>
-              <a:t>3XXX</a:t>
-            </a:r>
-            <a:r>
-              <a:rPr lang="zh-TW" altLang="en-US" dirty="0" smtClean="0"/>
-              <a:t>，其他區域為</a:t>
-            </a:r>
-            <a:r>
-              <a:rPr lang="en-US" altLang="zh-TW" dirty="0" smtClean="0"/>
-              <a:t>2XXX</a:t>
-            </a:r>
-            <a:r>
-              <a:rPr lang="zh-TW" altLang="en-US" dirty="0" smtClean="0"/>
-              <a:t>。</a:t>
-            </a:r>
-            <a:endParaRPr lang="en-US" altLang="zh-TW" dirty="0"/>
-          </a:p>
-          <a:p>
-            <a:r>
-              <a:rPr lang="zh-TW" altLang="en-US" dirty="0" smtClean="0"/>
-              <a:t>已經可以得到研究結果</a:t>
-            </a:r>
-            <a:r>
-              <a:rPr lang="en-US" altLang="zh-TW" smtClean="0"/>
-              <a:t>!</a:t>
-            </a:r>
-          </a:p>
-          <a:p>
-            <a:endParaRPr lang="zh-TW" altLang="en-US" dirty="0"/>
-          </a:p>
-        </p:txBody>
-      </p:sp>
-    </p:spTree>
-    <p:extLst>
-      <p:ext uri="{BB962C8B-B14F-4D97-AF65-F5344CB8AC3E}">
-        <p14:creationId xmlns:p14="http://schemas.microsoft.com/office/powerpoint/2010/main" val="172996434"/>
-      </p:ext>
-    </p:extLst>
-  </p:cSld>
-  <p:clrMapOvr>
-    <a:masterClrMapping/>
-  </p:clrMapOvr>
 </p:sld>
 </file>
 
@@ -13080,7 +13169,7 @@
         </a:ln>
         <a:effectLst/>
         <a:extLst>
-          <a:ext uri="{AF507438-7753-43E0-B8FC-AC1667EBCBE1}">
+          <a:ext uri="{AF507438-7753-43e0-B8FC-AC1667EBCBE1}">
             <a14:hiddenEffects xmlns:a14="http://schemas.microsoft.com/office/drawing/2010/main">
               <a:effectLst>
                 <a:outerShdw dist="35921" dir="2700000" algn="ctr" rotWithShape="0">
@@ -13154,7 +13243,7 @@
         </a:ln>
         <a:effectLst/>
         <a:extLst>
-          <a:ext uri="{AF507438-7753-43E0-B8FC-AC1667EBCBE1}">
+          <a:ext uri="{AF507438-7753-43e0-B8FC-AC1667EBCBE1}">
             <a14:hiddenEffects xmlns:a14="http://schemas.microsoft.com/office/drawing/2010/main">
               <a:effectLst>
                 <a:outerShdw dist="35921" dir="2700000" algn="ctr" rotWithShape="0">
